--- a/Wordpress Migration.pptx
+++ b/Wordpress Migration.pptx
@@ -290,7 +290,7 @@
           <a:p>
             <a:fld id="{D7387CCE-2FF8-4C4F-814C-EE6E76026263}" type="datetimeFigureOut">
               <a:rPr lang="en-US" smtClean="0"/>
-              <a:t>11-Aug-16</a:t>
+              <a:t>8/11/2016</a:t>
             </a:fld>
             <a:endParaRPr lang="en-US"/>
           </a:p>
@@ -672,7 +672,7 @@
         <p:spPr>
           <a:extLst>
             <a:ext uri="{909E8E84-426E-40dd-AFC4-6F175D3DCCD1}">
-              <a14:hiddenFill xmlns:a14="http://schemas.microsoft.com/office/drawing/2010/main" xmlns="">
+              <a14:hiddenFill xmlns="" xmlns:a14="http://schemas.microsoft.com/office/drawing/2010/main">
                 <a:blipFill dpi="0" rotWithShape="0">
                   <a:blip xmlns:r="http://schemas.openxmlformats.org/officeDocument/2006/relationships" r:embed="rId3"/>
                   <a:srcRect/>
@@ -681,7 +681,7 @@
               </a14:hiddenFill>
             </a:ext>
             <a:ext uri="{91240B29-F687-4f45-9708-019B960494DF}">
-              <a14:hiddenLine xmlns:a14="http://schemas.microsoft.com/office/drawing/2010/main" xmlns="" w="25400">
+              <a14:hiddenLine xmlns="" xmlns:a14="http://schemas.microsoft.com/office/drawing/2010/main" w="25400">
                 <a:solidFill>
                   <a:srgbClr val="000000"/>
                 </a:solidFill>
@@ -691,7 +691,7 @@
               </a14:hiddenLine>
             </a:ext>
             <a:ext uri="{AF507438-7753-43e0-B8FC-AC1667EBCBE1}">
-              <a14:hiddenEffects xmlns:a14="http://schemas.microsoft.com/office/drawing/2010/main" xmlns="">
+              <a14:hiddenEffects xmlns="" xmlns:a14="http://schemas.microsoft.com/office/drawing/2010/main">
                 <a:effectLst>
                   <a:outerShdw blurRad="63500" dist="38099" dir="2700000" algn="ctr" rotWithShape="0">
                     <a:schemeClr val="bg2">
@@ -702,7 +702,7 @@
               </a14:hiddenEffects>
             </a:ext>
             <a:ext uri="{FAA26D3D-D897-4be2-8F04-BA451C77F1D7}">
-              <ma14:placeholderFlag xmlns:ma14="http://schemas.microsoft.com/office/mac/drawingml/2011/main" xmlns="" val="1"/>
+              <ma14:placeholderFlag xmlns="" xmlns:ma14="http://schemas.microsoft.com/office/mac/drawingml/2011/main" val="1"/>
             </a:ext>
           </a:extLst>
         </p:spPr>
@@ -1100,7 +1100,60 @@
           <a:bodyPr/>
           <a:lstStyle/>
           <a:p>
-            <a:endParaRPr lang="en-US" dirty="0"/>
+            <a:r>
+              <a:rPr lang="en-US" dirty="0" smtClean="0"/>
+              <a:t>Besides the real project that we have done,</a:t>
+            </a:r>
+            <a:r>
+              <a:rPr lang="en-US" baseline="0" dirty="0" smtClean="0"/>
+              <a:t> Mr. Ngoc also gave us a mock project to practice and improve our knowledge about front end development. Here are the requirements.</a:t>
+            </a:r>
+          </a:p>
+          <a:p>
+            <a:pPr marL="0" marR="0" indent="0" algn="l" defTabSz="914400" rtl="0" eaLnBrk="1" fontAlgn="auto" latinLnBrk="0" hangingPunct="1">
+              <a:lnSpc>
+                <a:spcPct val="100000"/>
+              </a:lnSpc>
+              <a:spcBef>
+                <a:spcPts val="0"/>
+              </a:spcBef>
+              <a:spcAft>
+                <a:spcPts val="0"/>
+              </a:spcAft>
+              <a:buClrTx/>
+              <a:buSzTx/>
+              <a:buFontTx/>
+              <a:buNone/>
+              <a:tabLst/>
+              <a:defRPr/>
+            </a:pPr>
+            <a:r>
+              <a:rPr lang="en-US" baseline="0" dirty="0" smtClean="0"/>
+              <a:t>The design is quite specific so all we need to do is to build the web page that looks as close to the design as possible.</a:t>
+            </a:r>
+          </a:p>
+          <a:p>
+            <a:pPr marL="0" marR="0" indent="0" algn="l" defTabSz="914400" rtl="0" eaLnBrk="1" fontAlgn="auto" latinLnBrk="0" hangingPunct="1">
+              <a:lnSpc>
+                <a:spcPct val="100000"/>
+              </a:lnSpc>
+              <a:spcBef>
+                <a:spcPts val="0"/>
+              </a:spcBef>
+              <a:spcAft>
+                <a:spcPts val="0"/>
+              </a:spcAft>
+              <a:buClrTx/>
+              <a:buSzTx/>
+              <a:buFontTx/>
+              <a:buNone/>
+              <a:tabLst/>
+              <a:defRPr/>
+            </a:pPr>
+            <a:r>
+              <a:rPr lang="en-US" baseline="0" dirty="0" smtClean="0"/>
+              <a:t>We need to do this project in our free time because we still need to do the real project and the deadline was after 1 week.</a:t>
+            </a:r>
           </a:p>
         </p:txBody>
       </p:sp>
@@ -1130,7 +1183,7 @@
     </p:spTree>
     <p:extLst>
       <p:ext uri="{BB962C8B-B14F-4D97-AF65-F5344CB8AC3E}">
-        <p14:creationId xmlns:p14="http://schemas.microsoft.com/office/powerpoint/2010/main" val="3294302303"/>
+        <p14:creationId xmlns:p14="http://schemas.microsoft.com/office/powerpoint/2010/main" val="2413897486"/>
       </p:ext>
     </p:extLst>
   </p:cSld>
@@ -1159,197 +1212,19 @@
       </p:grpSpPr>
       <p:sp>
         <p:nvSpPr>
-          <p:cNvPr id="97282" name="Rectangle 7"/>
-          <p:cNvSpPr>
-            <a:spLocks noGrp="1"/>
-          </p:cNvSpPr>
-          <p:nvPr>
-            <p:ph type="sldNum" sz="quarter" idx="5"/>
-          </p:nvPr>
-        </p:nvSpPr>
-        <p:spPr>
-          <a:extLst>
-            <a:ext uri="{909E8E84-426E-40dd-AFC4-6F175D3DCCD1}">
-              <a14:hiddenFill xmlns:a14="http://schemas.microsoft.com/office/drawing/2010/main" xmlns="">
-                <a:blipFill dpi="0" rotWithShape="0">
-                  <a:blip xmlns:r="http://schemas.openxmlformats.org/officeDocument/2006/relationships" r:embed="rId3"/>
-                  <a:srcRect/>
-                  <a:tile tx="0" ty="0" sx="100000" sy="100000" flip="none" algn="tl"/>
-                </a:blipFill>
-              </a14:hiddenFill>
-            </a:ext>
-            <a:ext uri="{91240B29-F687-4f45-9708-019B960494DF}">
-              <a14:hiddenLine xmlns:a14="http://schemas.microsoft.com/office/drawing/2010/main" xmlns="" w="25400">
-                <a:solidFill>
-                  <a:srgbClr val="000000"/>
-                </a:solidFill>
-                <a:miter lim="800000"/>
-                <a:headEnd/>
-                <a:tailEnd/>
-              </a14:hiddenLine>
-            </a:ext>
-            <a:ext uri="{AF507438-7753-43e0-B8FC-AC1667EBCBE1}">
-              <a14:hiddenEffects xmlns:a14="http://schemas.microsoft.com/office/drawing/2010/main" xmlns="">
-                <a:effectLst>
-                  <a:outerShdw blurRad="63500" dist="38099" dir="2700000" algn="ctr" rotWithShape="0">
-                    <a:schemeClr val="bg2">
-                      <a:alpha val="74998"/>
-                    </a:schemeClr>
-                  </a:outerShdw>
-                </a:effectLst>
-              </a14:hiddenEffects>
-            </a:ext>
-            <a:ext uri="{FAA26D3D-D897-4be2-8F04-BA451C77F1D7}">
-              <ma14:placeholderFlag xmlns:ma14="http://schemas.microsoft.com/office/mac/drawingml/2011/main" xmlns="" val="1"/>
-            </a:ext>
-          </a:extLst>
-        </p:spPr>
-        <p:txBody>
-          <a:bodyPr/>
-          <a:lstStyle>
-            <a:lvl1pPr eaLnBrk="0" hangingPunct="0">
-              <a:defRPr sz="3200">
-                <a:solidFill>
-                  <a:srgbClr val="000000"/>
-                </a:solidFill>
-                <a:latin typeface="Gill Sans" pitchFamily="1" charset="0"/>
-                <a:ea typeface="ヒラギノ角ゴ Pro W3" pitchFamily="1" charset="-128"/>
-                <a:sym typeface="Gill Sans" pitchFamily="1" charset="0"/>
-              </a:defRPr>
-            </a:lvl1pPr>
-            <a:lvl2pPr marL="742950" indent="-285750" eaLnBrk="0" hangingPunct="0">
-              <a:defRPr sz="3200">
-                <a:solidFill>
-                  <a:srgbClr val="000000"/>
-                </a:solidFill>
-                <a:latin typeface="Gill Sans" pitchFamily="1" charset="0"/>
-                <a:ea typeface="ヒラギノ角ゴ Pro W3" pitchFamily="1" charset="-128"/>
-                <a:sym typeface="Gill Sans" pitchFamily="1" charset="0"/>
-              </a:defRPr>
-            </a:lvl2pPr>
-            <a:lvl3pPr marL="1143000" indent="-228600" eaLnBrk="0" hangingPunct="0">
-              <a:defRPr sz="3200">
-                <a:solidFill>
-                  <a:srgbClr val="000000"/>
-                </a:solidFill>
-                <a:latin typeface="Gill Sans" pitchFamily="1" charset="0"/>
-                <a:ea typeface="ヒラギノ角ゴ Pro W3" pitchFamily="1" charset="-128"/>
-                <a:sym typeface="Gill Sans" pitchFamily="1" charset="0"/>
-              </a:defRPr>
-            </a:lvl3pPr>
-            <a:lvl4pPr marL="1600200" indent="-228600" eaLnBrk="0" hangingPunct="0">
-              <a:defRPr sz="3200">
-                <a:solidFill>
-                  <a:srgbClr val="000000"/>
-                </a:solidFill>
-                <a:latin typeface="Gill Sans" pitchFamily="1" charset="0"/>
-                <a:ea typeface="ヒラギノ角ゴ Pro W3" pitchFamily="1" charset="-128"/>
-                <a:sym typeface="Gill Sans" pitchFamily="1" charset="0"/>
-              </a:defRPr>
-            </a:lvl4pPr>
-            <a:lvl5pPr marL="2057400" indent="-228600" eaLnBrk="0" hangingPunct="0">
-              <a:defRPr sz="3200">
-                <a:solidFill>
-                  <a:srgbClr val="000000"/>
-                </a:solidFill>
-                <a:latin typeface="Gill Sans" pitchFamily="1" charset="0"/>
-                <a:ea typeface="ヒラギノ角ゴ Pro W3" pitchFamily="1" charset="-128"/>
-                <a:sym typeface="Gill Sans" pitchFamily="1" charset="0"/>
-              </a:defRPr>
-            </a:lvl5pPr>
-            <a:lvl6pPr marL="2514600" indent="-228600" algn="ctr" eaLnBrk="0" fontAlgn="base" hangingPunct="0">
-              <a:spcBef>
-                <a:spcPct val="0"/>
-              </a:spcBef>
-              <a:spcAft>
-                <a:spcPct val="0"/>
-              </a:spcAft>
-              <a:defRPr sz="3200">
-                <a:solidFill>
-                  <a:srgbClr val="000000"/>
-                </a:solidFill>
-                <a:latin typeface="Gill Sans" pitchFamily="1" charset="0"/>
-                <a:ea typeface="ヒラギノ角ゴ Pro W3" pitchFamily="1" charset="-128"/>
-                <a:sym typeface="Gill Sans" pitchFamily="1" charset="0"/>
-              </a:defRPr>
-            </a:lvl6pPr>
-            <a:lvl7pPr marL="2971800" indent="-228600" algn="ctr" eaLnBrk="0" fontAlgn="base" hangingPunct="0">
-              <a:spcBef>
-                <a:spcPct val="0"/>
-              </a:spcBef>
-              <a:spcAft>
-                <a:spcPct val="0"/>
-              </a:spcAft>
-              <a:defRPr sz="3200">
-                <a:solidFill>
-                  <a:srgbClr val="000000"/>
-                </a:solidFill>
-                <a:latin typeface="Gill Sans" pitchFamily="1" charset="0"/>
-                <a:ea typeface="ヒラギノ角ゴ Pro W3" pitchFamily="1" charset="-128"/>
-                <a:sym typeface="Gill Sans" pitchFamily="1" charset="0"/>
-              </a:defRPr>
-            </a:lvl7pPr>
-            <a:lvl8pPr marL="3429000" indent="-228600" algn="ctr" eaLnBrk="0" fontAlgn="base" hangingPunct="0">
-              <a:spcBef>
-                <a:spcPct val="0"/>
-              </a:spcBef>
-              <a:spcAft>
-                <a:spcPct val="0"/>
-              </a:spcAft>
-              <a:defRPr sz="3200">
-                <a:solidFill>
-                  <a:srgbClr val="000000"/>
-                </a:solidFill>
-                <a:latin typeface="Gill Sans" pitchFamily="1" charset="0"/>
-                <a:ea typeface="ヒラギノ角ゴ Pro W3" pitchFamily="1" charset="-128"/>
-                <a:sym typeface="Gill Sans" pitchFamily="1" charset="0"/>
-              </a:defRPr>
-            </a:lvl8pPr>
-            <a:lvl9pPr marL="3886200" indent="-228600" algn="ctr" eaLnBrk="0" fontAlgn="base" hangingPunct="0">
-              <a:spcBef>
-                <a:spcPct val="0"/>
-              </a:spcBef>
-              <a:spcAft>
-                <a:spcPct val="0"/>
-              </a:spcAft>
-              <a:defRPr sz="3200">
-                <a:solidFill>
-                  <a:srgbClr val="000000"/>
-                </a:solidFill>
-                <a:latin typeface="Gill Sans" pitchFamily="1" charset="0"/>
-                <a:ea typeface="ヒラギノ角ゴ Pro W3" pitchFamily="1" charset="-128"/>
-                <a:sym typeface="Gill Sans" pitchFamily="1" charset="0"/>
-              </a:defRPr>
-            </a:lvl9pPr>
-          </a:lstStyle>
-          <a:p>
-            <a:pPr eaLnBrk="1" hangingPunct="1"/>
-            <a:fld id="{04540A10-3113-46ED-A982-9A8ED9558195}" type="slidenum">
-              <a:rPr lang="en-US" altLang="en-US" sz="1200"/>
-              <a:pPr eaLnBrk="1" hangingPunct="1"/>
-              <a:t>26</a:t>
-            </a:fld>
-            <a:endParaRPr lang="en-US" altLang="en-US" sz="1200"/>
-          </a:p>
-        </p:txBody>
-      </p:sp>
-      <p:sp>
-        <p:nvSpPr>
-          <p:cNvPr id="97283" name="Rectangle 2"/>
-          <p:cNvSpPr>
-            <a:spLocks noGrp="1" noRot="1" noChangeAspect="1" noChangeArrowheads="1" noTextEdit="1"/>
+          <p:cNvPr id="2" name="Slide Image Placeholder 1"/>
+          <p:cNvSpPr>
+            <a:spLocks noGrp="1" noRot="1" noChangeAspect="1"/>
           </p:cNvSpPr>
           <p:nvPr>
             <p:ph type="sldImg"/>
           </p:nvPr>
         </p:nvSpPr>
-        <p:spPr>
-          <a:ln/>
-        </p:spPr>
-      </p:sp>
-      <p:sp>
-        <p:nvSpPr>
-          <p:cNvPr id="97284" name="Rectangle 3"/>
+        <p:spPr/>
+      </p:sp>
+      <p:sp>
+        <p:nvSpPr>
+          <p:cNvPr id="3" name="Notes Placeholder 2"/>
           <p:cNvSpPr>
             <a:spLocks noGrp="1"/>
           </p:cNvSpPr>
@@ -1362,21 +1237,91 @@
           <a:bodyPr/>
           <a:lstStyle/>
           <a:p>
-            <a:pPr eaLnBrk="1" hangingPunct="1">
-              <a:defRPr/>
-            </a:pPr>
-            <a:endParaRPr lang="en-US" dirty="0">
-              <a:latin typeface="Gill Sans" charset="0"/>
-              <a:ea typeface="ＭＳ Ｐゴシック" charset="0"/>
-              <a:cs typeface="+mn-cs"/>
-            </a:endParaRPr>
+            <a:r>
+              <a:rPr lang="en-US" dirty="0" smtClean="0"/>
+              <a:t>So</a:t>
+            </a:r>
+            <a:r>
+              <a:rPr lang="en-US" baseline="0" dirty="0" smtClean="0"/>
+              <a:t> we had the requirements in our hands. Right after that, we had a meeting to discuss about how we’re going to approach this problem.</a:t>
+            </a:r>
+          </a:p>
+          <a:p>
+            <a:r>
+              <a:rPr lang="en-US" baseline="0" dirty="0" smtClean="0"/>
+              <a:t>First of all, before this project, all of us had no idea about Handlebars and Sass so we have to spend sometime to learn their basic syntax and functionality. It took us a day to do so. We used the top down approach to learn so we don’t need to learn everything, just what’s necessary to finish the project.</a:t>
+            </a:r>
+          </a:p>
+          <a:p>
+            <a:r>
+              <a:rPr lang="en-US" baseline="0" dirty="0" smtClean="0"/>
+              <a:t>In order for us to work as a team as well as work independently, we decided to divide the design into 4 sections: …</a:t>
+            </a:r>
+          </a:p>
+          <a:p>
+            <a:r>
+              <a:rPr lang="en-US" baseline="0" dirty="0" smtClean="0"/>
+              <a:t>We also used some coding convention like BEM to avoid conflicts in CSS.</a:t>
+            </a:r>
+          </a:p>
+          <a:p>
+            <a:r>
+              <a:rPr lang="en-US" baseline="0" dirty="0" smtClean="0"/>
+              <a:t>We have no problem in communication because we sit next to each other and we are very open and supportive, especially Mr. Nam. It’s convenient for us to discuss and solve any issue that came up.</a:t>
+            </a:r>
+          </a:p>
+          <a:p>
+            <a:r>
+              <a:rPr lang="en-US" dirty="0" smtClean="0"/>
+              <a:t>And lastly, we used </a:t>
+            </a:r>
+            <a:r>
+              <a:rPr lang="en-US" dirty="0" err="1" smtClean="0"/>
+              <a:t>Git</a:t>
+            </a:r>
+            <a:r>
+              <a:rPr lang="en-US" baseline="0" dirty="0" smtClean="0"/>
+              <a:t> as the version control system because it’s effective in managing the code and resolving conflicts. Our </a:t>
+            </a:r>
+            <a:r>
+              <a:rPr lang="en-US" baseline="0" dirty="0" err="1" smtClean="0"/>
+              <a:t>Git</a:t>
+            </a:r>
+            <a:r>
+              <a:rPr lang="en-US" baseline="0" dirty="0" smtClean="0"/>
+              <a:t> workflow is quite simple: Each of us created a branch and work independently, we only merge our code into master when a feature is completed and tested.</a:t>
+            </a:r>
+            <a:endParaRPr lang="en-US" dirty="0"/>
+          </a:p>
+        </p:txBody>
+      </p:sp>
+      <p:sp>
+        <p:nvSpPr>
+          <p:cNvPr id="4" name="Slide Number Placeholder 3"/>
+          <p:cNvSpPr>
+            <a:spLocks noGrp="1"/>
+          </p:cNvSpPr>
+          <p:nvPr>
+            <p:ph type="sldNum" sz="quarter" idx="10"/>
+          </p:nvPr>
+        </p:nvSpPr>
+        <p:spPr/>
+        <p:txBody>
+          <a:bodyPr/>
+          <a:lstStyle/>
+          <a:p>
+            <a:fld id="{084ACCD1-6A07-4099-ACBF-2EA3310362E9}" type="slidenum">
+              <a:rPr lang="en-US" smtClean="0"/>
+              <a:t>24</a:t>
+            </a:fld>
+            <a:endParaRPr lang="en-US"/>
           </a:p>
         </p:txBody>
       </p:sp>
     </p:spTree>
     <p:extLst>
       <p:ext uri="{BB962C8B-B14F-4D97-AF65-F5344CB8AC3E}">
-        <p14:creationId xmlns:p14="http://schemas.microsoft.com/office/powerpoint/2010/main" val="1507070539"/>
+        <p14:creationId xmlns:p14="http://schemas.microsoft.com/office/powerpoint/2010/main" val="1891395022"/>
       </p:ext>
     </p:extLst>
   </p:cSld>
@@ -1405,6 +1350,118 @@
       </p:grpSpPr>
       <p:sp>
         <p:nvSpPr>
+          <p:cNvPr id="2" name="Slide Image Placeholder 1"/>
+          <p:cNvSpPr>
+            <a:spLocks noGrp="1" noRot="1" noChangeAspect="1"/>
+          </p:cNvSpPr>
+          <p:nvPr>
+            <p:ph type="sldImg"/>
+          </p:nvPr>
+        </p:nvSpPr>
+        <p:spPr/>
+      </p:sp>
+      <p:sp>
+        <p:nvSpPr>
+          <p:cNvPr id="3" name="Notes Placeholder 2"/>
+          <p:cNvSpPr>
+            <a:spLocks noGrp="1"/>
+          </p:cNvSpPr>
+          <p:nvPr>
+            <p:ph type="body" idx="1"/>
+          </p:nvPr>
+        </p:nvSpPr>
+        <p:spPr/>
+        <p:txBody>
+          <a:bodyPr/>
+          <a:lstStyle/>
+          <a:p>
+            <a:r>
+              <a:rPr lang="en-US" dirty="0" smtClean="0"/>
+              <a:t>We’ve gained a</a:t>
+            </a:r>
+            <a:r>
+              <a:rPr lang="en-US" baseline="0" dirty="0" smtClean="0"/>
+              <a:t> lot of teamwork skill like how to handle the problem that was given as a team. As mentioned, we had daily meetings to discuss all the problems that we had and helped each other to solve them.</a:t>
+            </a:r>
+          </a:p>
+          <a:p>
+            <a:r>
+              <a:rPr lang="en-US" dirty="0" smtClean="0"/>
+              <a:t>We’ve also learned some</a:t>
+            </a:r>
+            <a:r>
+              <a:rPr lang="en-US" baseline="0" dirty="0" smtClean="0"/>
+              <a:t> best practice and methods to avoiding and resolving conflicts and I think it’s very useful because having conflicts is a common issue when working in a team.</a:t>
+            </a:r>
+          </a:p>
+          <a:p>
+            <a:r>
+              <a:rPr lang="en-US" baseline="0" dirty="0" smtClean="0"/>
+              <a:t>And thanks to this project, now we know the basic of Handlebars and Sass, we know how to use Grunt to compile </a:t>
+            </a:r>
+            <a:r>
+              <a:rPr lang="en-US" baseline="0" smtClean="0"/>
+              <a:t>our project.</a:t>
+            </a:r>
+            <a:endParaRPr lang="en-US" dirty="0"/>
+          </a:p>
+        </p:txBody>
+      </p:sp>
+      <p:sp>
+        <p:nvSpPr>
+          <p:cNvPr id="4" name="Slide Number Placeholder 3"/>
+          <p:cNvSpPr>
+            <a:spLocks noGrp="1"/>
+          </p:cNvSpPr>
+          <p:nvPr>
+            <p:ph type="sldNum" sz="quarter" idx="10"/>
+          </p:nvPr>
+        </p:nvSpPr>
+        <p:spPr/>
+        <p:txBody>
+          <a:bodyPr/>
+          <a:lstStyle/>
+          <a:p>
+            <a:fld id="{084ACCD1-6A07-4099-ACBF-2EA3310362E9}" type="slidenum">
+              <a:rPr lang="en-US" smtClean="0"/>
+              <a:t>25</a:t>
+            </a:fld>
+            <a:endParaRPr lang="en-US"/>
+          </a:p>
+        </p:txBody>
+      </p:sp>
+    </p:spTree>
+    <p:extLst>
+      <p:ext uri="{BB962C8B-B14F-4D97-AF65-F5344CB8AC3E}">
+        <p14:creationId xmlns:p14="http://schemas.microsoft.com/office/powerpoint/2010/main" val="618390027"/>
+      </p:ext>
+    </p:extLst>
+  </p:cSld>
+  <p:clrMapOvr>
+    <a:masterClrMapping/>
+  </p:clrMapOvr>
+</p:notes>
+</file>
+
+<file path=ppt/notesSlides/notesSlide16.xml><?xml version="1.0" encoding="utf-8"?>
+<p:notes xmlns:a="http://schemas.openxmlformats.org/drawingml/2006/main" xmlns:r="http://schemas.openxmlformats.org/officeDocument/2006/relationships" xmlns:p="http://schemas.openxmlformats.org/presentationml/2006/main">
+  <p:cSld>
+    <p:spTree>
+      <p:nvGrpSpPr>
+        <p:cNvPr id="1" name=""/>
+        <p:cNvGrpSpPr/>
+        <p:nvPr/>
+      </p:nvGrpSpPr>
+      <p:grpSpPr>
+        <a:xfrm>
+          <a:off x="0" y="0"/>
+          <a:ext cx="0" cy="0"/>
+          <a:chOff x="0" y="0"/>
+          <a:chExt cx="0" cy="0"/>
+        </a:xfrm>
+      </p:grpSpPr>
+      <p:sp>
+        <p:nvSpPr>
           <p:cNvPr id="97282" name="Rectangle 7"/>
           <p:cNvSpPr>
             <a:spLocks noGrp="1"/>
@@ -1416,7 +1473,7 @@
         <p:spPr>
           <a:extLst>
             <a:ext uri="{909E8E84-426E-40dd-AFC4-6F175D3DCCD1}">
-              <a14:hiddenFill xmlns:a14="http://schemas.microsoft.com/office/drawing/2010/main" xmlns="">
+              <a14:hiddenFill xmlns="" xmlns:a14="http://schemas.microsoft.com/office/drawing/2010/main">
                 <a:blipFill dpi="0" rotWithShape="0">
                   <a:blip xmlns:r="http://schemas.openxmlformats.org/officeDocument/2006/relationships" r:embed="rId3"/>
                   <a:srcRect/>
@@ -1425,7 +1482,7 @@
               </a14:hiddenFill>
             </a:ext>
             <a:ext uri="{91240B29-F687-4f45-9708-019B960494DF}">
-              <a14:hiddenLine xmlns:a14="http://schemas.microsoft.com/office/drawing/2010/main" xmlns="" w="25400">
+              <a14:hiddenLine xmlns="" xmlns:a14="http://schemas.microsoft.com/office/drawing/2010/main" w="25400">
                 <a:solidFill>
                   <a:srgbClr val="000000"/>
                 </a:solidFill>
@@ -1435,7 +1492,7 @@
               </a14:hiddenLine>
             </a:ext>
             <a:ext uri="{AF507438-7753-43e0-B8FC-AC1667EBCBE1}">
-              <a14:hiddenEffects xmlns:a14="http://schemas.microsoft.com/office/drawing/2010/main" xmlns="">
+              <a14:hiddenEffects xmlns="" xmlns:a14="http://schemas.microsoft.com/office/drawing/2010/main">
                 <a:effectLst>
                   <a:outerShdw blurRad="63500" dist="38099" dir="2700000" algn="ctr" rotWithShape="0">
                     <a:schemeClr val="bg2">
@@ -1446,7 +1503,253 @@
               </a14:hiddenEffects>
             </a:ext>
             <a:ext uri="{FAA26D3D-D897-4be2-8F04-BA451C77F1D7}">
-              <ma14:placeholderFlag xmlns:ma14="http://schemas.microsoft.com/office/mac/drawingml/2011/main" xmlns="" val="1"/>
+              <ma14:placeholderFlag xmlns="" xmlns:ma14="http://schemas.microsoft.com/office/mac/drawingml/2011/main" val="1"/>
+            </a:ext>
+          </a:extLst>
+        </p:spPr>
+        <p:txBody>
+          <a:bodyPr/>
+          <a:lstStyle>
+            <a:lvl1pPr eaLnBrk="0" hangingPunct="0">
+              <a:defRPr sz="3200">
+                <a:solidFill>
+                  <a:srgbClr val="000000"/>
+                </a:solidFill>
+                <a:latin typeface="Gill Sans" pitchFamily="1" charset="0"/>
+                <a:ea typeface="ヒラギノ角ゴ Pro W3" pitchFamily="1" charset="-128"/>
+                <a:sym typeface="Gill Sans" pitchFamily="1" charset="0"/>
+              </a:defRPr>
+            </a:lvl1pPr>
+            <a:lvl2pPr marL="742950" indent="-285750" eaLnBrk="0" hangingPunct="0">
+              <a:defRPr sz="3200">
+                <a:solidFill>
+                  <a:srgbClr val="000000"/>
+                </a:solidFill>
+                <a:latin typeface="Gill Sans" pitchFamily="1" charset="0"/>
+                <a:ea typeface="ヒラギノ角ゴ Pro W3" pitchFamily="1" charset="-128"/>
+                <a:sym typeface="Gill Sans" pitchFamily="1" charset="0"/>
+              </a:defRPr>
+            </a:lvl2pPr>
+            <a:lvl3pPr marL="1143000" indent="-228600" eaLnBrk="0" hangingPunct="0">
+              <a:defRPr sz="3200">
+                <a:solidFill>
+                  <a:srgbClr val="000000"/>
+                </a:solidFill>
+                <a:latin typeface="Gill Sans" pitchFamily="1" charset="0"/>
+                <a:ea typeface="ヒラギノ角ゴ Pro W3" pitchFamily="1" charset="-128"/>
+                <a:sym typeface="Gill Sans" pitchFamily="1" charset="0"/>
+              </a:defRPr>
+            </a:lvl3pPr>
+            <a:lvl4pPr marL="1600200" indent="-228600" eaLnBrk="0" hangingPunct="0">
+              <a:defRPr sz="3200">
+                <a:solidFill>
+                  <a:srgbClr val="000000"/>
+                </a:solidFill>
+                <a:latin typeface="Gill Sans" pitchFamily="1" charset="0"/>
+                <a:ea typeface="ヒラギノ角ゴ Pro W3" pitchFamily="1" charset="-128"/>
+                <a:sym typeface="Gill Sans" pitchFamily="1" charset="0"/>
+              </a:defRPr>
+            </a:lvl4pPr>
+            <a:lvl5pPr marL="2057400" indent="-228600" eaLnBrk="0" hangingPunct="0">
+              <a:defRPr sz="3200">
+                <a:solidFill>
+                  <a:srgbClr val="000000"/>
+                </a:solidFill>
+                <a:latin typeface="Gill Sans" pitchFamily="1" charset="0"/>
+                <a:ea typeface="ヒラギノ角ゴ Pro W3" pitchFamily="1" charset="-128"/>
+                <a:sym typeface="Gill Sans" pitchFamily="1" charset="0"/>
+              </a:defRPr>
+            </a:lvl5pPr>
+            <a:lvl6pPr marL="2514600" indent="-228600" algn="ctr" eaLnBrk="0" fontAlgn="base" hangingPunct="0">
+              <a:spcBef>
+                <a:spcPct val="0"/>
+              </a:spcBef>
+              <a:spcAft>
+                <a:spcPct val="0"/>
+              </a:spcAft>
+              <a:defRPr sz="3200">
+                <a:solidFill>
+                  <a:srgbClr val="000000"/>
+                </a:solidFill>
+                <a:latin typeface="Gill Sans" pitchFamily="1" charset="0"/>
+                <a:ea typeface="ヒラギノ角ゴ Pro W3" pitchFamily="1" charset="-128"/>
+                <a:sym typeface="Gill Sans" pitchFamily="1" charset="0"/>
+              </a:defRPr>
+            </a:lvl6pPr>
+            <a:lvl7pPr marL="2971800" indent="-228600" algn="ctr" eaLnBrk="0" fontAlgn="base" hangingPunct="0">
+              <a:spcBef>
+                <a:spcPct val="0"/>
+              </a:spcBef>
+              <a:spcAft>
+                <a:spcPct val="0"/>
+              </a:spcAft>
+              <a:defRPr sz="3200">
+                <a:solidFill>
+                  <a:srgbClr val="000000"/>
+                </a:solidFill>
+                <a:latin typeface="Gill Sans" pitchFamily="1" charset="0"/>
+                <a:ea typeface="ヒラギノ角ゴ Pro W3" pitchFamily="1" charset="-128"/>
+                <a:sym typeface="Gill Sans" pitchFamily="1" charset="0"/>
+              </a:defRPr>
+            </a:lvl7pPr>
+            <a:lvl8pPr marL="3429000" indent="-228600" algn="ctr" eaLnBrk="0" fontAlgn="base" hangingPunct="0">
+              <a:spcBef>
+                <a:spcPct val="0"/>
+              </a:spcBef>
+              <a:spcAft>
+                <a:spcPct val="0"/>
+              </a:spcAft>
+              <a:defRPr sz="3200">
+                <a:solidFill>
+                  <a:srgbClr val="000000"/>
+                </a:solidFill>
+                <a:latin typeface="Gill Sans" pitchFamily="1" charset="0"/>
+                <a:ea typeface="ヒラギノ角ゴ Pro W3" pitchFamily="1" charset="-128"/>
+                <a:sym typeface="Gill Sans" pitchFamily="1" charset="0"/>
+              </a:defRPr>
+            </a:lvl8pPr>
+            <a:lvl9pPr marL="3886200" indent="-228600" algn="ctr" eaLnBrk="0" fontAlgn="base" hangingPunct="0">
+              <a:spcBef>
+                <a:spcPct val="0"/>
+              </a:spcBef>
+              <a:spcAft>
+                <a:spcPct val="0"/>
+              </a:spcAft>
+              <a:defRPr sz="3200">
+                <a:solidFill>
+                  <a:srgbClr val="000000"/>
+                </a:solidFill>
+                <a:latin typeface="Gill Sans" pitchFamily="1" charset="0"/>
+                <a:ea typeface="ヒラギノ角ゴ Pro W3" pitchFamily="1" charset="-128"/>
+                <a:sym typeface="Gill Sans" pitchFamily="1" charset="0"/>
+              </a:defRPr>
+            </a:lvl9pPr>
+          </a:lstStyle>
+          <a:p>
+            <a:pPr eaLnBrk="1" hangingPunct="1"/>
+            <a:fld id="{04540A10-3113-46ED-A982-9A8ED9558195}" type="slidenum">
+              <a:rPr lang="en-US" altLang="en-US" sz="1200"/>
+              <a:pPr eaLnBrk="1" hangingPunct="1"/>
+              <a:t>26</a:t>
+            </a:fld>
+            <a:endParaRPr lang="en-US" altLang="en-US" sz="1200"/>
+          </a:p>
+        </p:txBody>
+      </p:sp>
+      <p:sp>
+        <p:nvSpPr>
+          <p:cNvPr id="97283" name="Rectangle 2"/>
+          <p:cNvSpPr>
+            <a:spLocks noGrp="1" noRot="1" noChangeAspect="1" noChangeArrowheads="1" noTextEdit="1"/>
+          </p:cNvSpPr>
+          <p:nvPr>
+            <p:ph type="sldImg"/>
+          </p:nvPr>
+        </p:nvSpPr>
+        <p:spPr>
+          <a:ln/>
+        </p:spPr>
+      </p:sp>
+      <p:sp>
+        <p:nvSpPr>
+          <p:cNvPr id="97284" name="Rectangle 3"/>
+          <p:cNvSpPr>
+            <a:spLocks noGrp="1"/>
+          </p:cNvSpPr>
+          <p:nvPr>
+            <p:ph type="body" idx="1"/>
+          </p:nvPr>
+        </p:nvSpPr>
+        <p:spPr/>
+        <p:txBody>
+          <a:bodyPr/>
+          <a:lstStyle/>
+          <a:p>
+            <a:pPr eaLnBrk="1" hangingPunct="1">
+              <a:defRPr/>
+            </a:pPr>
+            <a:endParaRPr lang="en-US" dirty="0">
+              <a:latin typeface="Gill Sans" charset="0"/>
+              <a:ea typeface="ＭＳ Ｐゴシック" charset="0"/>
+              <a:cs typeface="+mn-cs"/>
+            </a:endParaRPr>
+          </a:p>
+        </p:txBody>
+      </p:sp>
+    </p:spTree>
+    <p:extLst>
+      <p:ext uri="{BB962C8B-B14F-4D97-AF65-F5344CB8AC3E}">
+        <p14:creationId xmlns:p14="http://schemas.microsoft.com/office/powerpoint/2010/main" val="1507070539"/>
+      </p:ext>
+    </p:extLst>
+  </p:cSld>
+  <p:clrMapOvr>
+    <a:masterClrMapping/>
+  </p:clrMapOvr>
+</p:notes>
+</file>
+
+<file path=ppt/notesSlides/notesSlide17.xml><?xml version="1.0" encoding="utf-8"?>
+<p:notes xmlns:a="http://schemas.openxmlformats.org/drawingml/2006/main" xmlns:r="http://schemas.openxmlformats.org/officeDocument/2006/relationships" xmlns:p="http://schemas.openxmlformats.org/presentationml/2006/main">
+  <p:cSld>
+    <p:spTree>
+      <p:nvGrpSpPr>
+        <p:cNvPr id="1" name=""/>
+        <p:cNvGrpSpPr/>
+        <p:nvPr/>
+      </p:nvGrpSpPr>
+      <p:grpSpPr>
+        <a:xfrm>
+          <a:off x="0" y="0"/>
+          <a:ext cx="0" cy="0"/>
+          <a:chOff x="0" y="0"/>
+          <a:chExt cx="0" cy="0"/>
+        </a:xfrm>
+      </p:grpSpPr>
+      <p:sp>
+        <p:nvSpPr>
+          <p:cNvPr id="97282" name="Rectangle 7"/>
+          <p:cNvSpPr>
+            <a:spLocks noGrp="1"/>
+          </p:cNvSpPr>
+          <p:nvPr>
+            <p:ph type="sldNum" sz="quarter" idx="5"/>
+          </p:nvPr>
+        </p:nvSpPr>
+        <p:spPr>
+          <a:extLst>
+            <a:ext uri="{909E8E84-426E-40dd-AFC4-6F175D3DCCD1}">
+              <a14:hiddenFill xmlns="" xmlns:a14="http://schemas.microsoft.com/office/drawing/2010/main">
+                <a:blipFill dpi="0" rotWithShape="0">
+                  <a:blip xmlns:r="http://schemas.openxmlformats.org/officeDocument/2006/relationships" r:embed="rId3"/>
+                  <a:srcRect/>
+                  <a:tile tx="0" ty="0" sx="100000" sy="100000" flip="none" algn="tl"/>
+                </a:blipFill>
+              </a14:hiddenFill>
+            </a:ext>
+            <a:ext uri="{91240B29-F687-4f45-9708-019B960494DF}">
+              <a14:hiddenLine xmlns="" xmlns:a14="http://schemas.microsoft.com/office/drawing/2010/main" w="25400">
+                <a:solidFill>
+                  <a:srgbClr val="000000"/>
+                </a:solidFill>
+                <a:miter lim="800000"/>
+                <a:headEnd/>
+                <a:tailEnd/>
+              </a14:hiddenLine>
+            </a:ext>
+            <a:ext uri="{AF507438-7753-43e0-B8FC-AC1667EBCBE1}">
+              <a14:hiddenEffects xmlns="" xmlns:a14="http://schemas.microsoft.com/office/drawing/2010/main">
+                <a:effectLst>
+                  <a:outerShdw blurRad="63500" dist="38099" dir="2700000" algn="ctr" rotWithShape="0">
+                    <a:schemeClr val="bg2">
+                      <a:alpha val="74998"/>
+                    </a:schemeClr>
+                  </a:outerShdw>
+                </a:effectLst>
+              </a14:hiddenEffects>
+            </a:ext>
+            <a:ext uri="{FAA26D3D-D897-4be2-8F04-BA451C77F1D7}">
+              <ma14:placeholderFlag xmlns="" xmlns:ma14="http://schemas.microsoft.com/office/mac/drawingml/2011/main" val="1"/>
             </a:ext>
           </a:extLst>
         </p:spPr>
@@ -1662,7 +1965,7 @@
         <p:spPr>
           <a:extLst>
             <a:ext uri="{909E8E84-426E-40dd-AFC4-6F175D3DCCD1}">
-              <a14:hiddenFill xmlns:a14="http://schemas.microsoft.com/office/drawing/2010/main" xmlns="">
+              <a14:hiddenFill xmlns="" xmlns:a14="http://schemas.microsoft.com/office/drawing/2010/main">
                 <a:blipFill dpi="0" rotWithShape="0">
                   <a:blip xmlns:r="http://schemas.openxmlformats.org/officeDocument/2006/relationships" r:embed="rId3"/>
                   <a:srcRect/>
@@ -1671,7 +1974,7 @@
               </a14:hiddenFill>
             </a:ext>
             <a:ext uri="{91240B29-F687-4f45-9708-019B960494DF}">
-              <a14:hiddenLine xmlns:a14="http://schemas.microsoft.com/office/drawing/2010/main" xmlns="" w="25400">
+              <a14:hiddenLine xmlns="" xmlns:a14="http://schemas.microsoft.com/office/drawing/2010/main" w="25400">
                 <a:solidFill>
                   <a:srgbClr val="000000"/>
                 </a:solidFill>
@@ -1681,7 +1984,7 @@
               </a14:hiddenLine>
             </a:ext>
             <a:ext uri="{AF507438-7753-43e0-B8FC-AC1667EBCBE1}">
-              <a14:hiddenEffects xmlns:a14="http://schemas.microsoft.com/office/drawing/2010/main" xmlns="">
+              <a14:hiddenEffects xmlns="" xmlns:a14="http://schemas.microsoft.com/office/drawing/2010/main">
                 <a:effectLst>
                   <a:outerShdw blurRad="63500" dist="38099" dir="2700000" algn="ctr" rotWithShape="0">
                     <a:schemeClr val="bg2">
@@ -1692,7 +1995,7 @@
               </a14:hiddenEffects>
             </a:ext>
             <a:ext uri="{FAA26D3D-D897-4be2-8F04-BA451C77F1D7}">
-              <ma14:placeholderFlag xmlns:ma14="http://schemas.microsoft.com/office/mac/drawingml/2011/main" xmlns="" val="1"/>
+              <ma14:placeholderFlag xmlns="" xmlns:ma14="http://schemas.microsoft.com/office/mac/drawingml/2011/main" val="1"/>
             </a:ext>
           </a:extLst>
         </p:spPr>
@@ -1908,7 +2211,7 @@
         <p:spPr>
           <a:extLst>
             <a:ext uri="{909E8E84-426E-40dd-AFC4-6F175D3DCCD1}">
-              <a14:hiddenFill xmlns:a14="http://schemas.microsoft.com/office/drawing/2010/main" xmlns="">
+              <a14:hiddenFill xmlns="" xmlns:a14="http://schemas.microsoft.com/office/drawing/2010/main">
                 <a:blipFill dpi="0" rotWithShape="0">
                   <a:blip xmlns:r="http://schemas.openxmlformats.org/officeDocument/2006/relationships" r:embed="rId3"/>
                   <a:srcRect/>
@@ -1917,7 +2220,7 @@
               </a14:hiddenFill>
             </a:ext>
             <a:ext uri="{91240B29-F687-4f45-9708-019B960494DF}">
-              <a14:hiddenLine xmlns:a14="http://schemas.microsoft.com/office/drawing/2010/main" xmlns="" w="25400">
+              <a14:hiddenLine xmlns="" xmlns:a14="http://schemas.microsoft.com/office/drawing/2010/main" w="25400">
                 <a:solidFill>
                   <a:srgbClr val="000000"/>
                 </a:solidFill>
@@ -1927,7 +2230,7 @@
               </a14:hiddenLine>
             </a:ext>
             <a:ext uri="{AF507438-7753-43e0-B8FC-AC1667EBCBE1}">
-              <a14:hiddenEffects xmlns:a14="http://schemas.microsoft.com/office/drawing/2010/main" xmlns="">
+              <a14:hiddenEffects xmlns="" xmlns:a14="http://schemas.microsoft.com/office/drawing/2010/main">
                 <a:effectLst>
                   <a:outerShdw blurRad="63500" dist="38099" dir="2700000" algn="ctr" rotWithShape="0">
                     <a:schemeClr val="bg2">
@@ -1938,7 +2241,7 @@
               </a14:hiddenEffects>
             </a:ext>
             <a:ext uri="{FAA26D3D-D897-4be2-8F04-BA451C77F1D7}">
-              <ma14:placeholderFlag xmlns:ma14="http://schemas.microsoft.com/office/mac/drawingml/2011/main" xmlns="" val="1"/>
+              <ma14:placeholderFlag xmlns="" xmlns:ma14="http://schemas.microsoft.com/office/mac/drawingml/2011/main" val="1"/>
             </a:ext>
           </a:extLst>
         </p:spPr>
@@ -2154,7 +2457,7 @@
         <p:spPr>
           <a:extLst>
             <a:ext uri="{909E8E84-426E-40dd-AFC4-6F175D3DCCD1}">
-              <a14:hiddenFill xmlns:a14="http://schemas.microsoft.com/office/drawing/2010/main" xmlns="">
+              <a14:hiddenFill xmlns="" xmlns:a14="http://schemas.microsoft.com/office/drawing/2010/main">
                 <a:blipFill dpi="0" rotWithShape="0">
                   <a:blip xmlns:r="http://schemas.openxmlformats.org/officeDocument/2006/relationships" r:embed="rId3"/>
                   <a:srcRect/>
@@ -2163,7 +2466,7 @@
               </a14:hiddenFill>
             </a:ext>
             <a:ext uri="{91240B29-F687-4f45-9708-019B960494DF}">
-              <a14:hiddenLine xmlns:a14="http://schemas.microsoft.com/office/drawing/2010/main" xmlns="" w="25400">
+              <a14:hiddenLine xmlns="" xmlns:a14="http://schemas.microsoft.com/office/drawing/2010/main" w="25400">
                 <a:solidFill>
                   <a:srgbClr val="000000"/>
                 </a:solidFill>
@@ -2173,7 +2476,7 @@
               </a14:hiddenLine>
             </a:ext>
             <a:ext uri="{AF507438-7753-43e0-B8FC-AC1667EBCBE1}">
-              <a14:hiddenEffects xmlns:a14="http://schemas.microsoft.com/office/drawing/2010/main" xmlns="">
+              <a14:hiddenEffects xmlns="" xmlns:a14="http://schemas.microsoft.com/office/drawing/2010/main">
                 <a:effectLst>
                   <a:outerShdw blurRad="63500" dist="38099" dir="2700000" algn="ctr" rotWithShape="0">
                     <a:schemeClr val="bg2">
@@ -2184,7 +2487,7 @@
               </a14:hiddenEffects>
             </a:ext>
             <a:ext uri="{FAA26D3D-D897-4be2-8F04-BA451C77F1D7}">
-              <ma14:placeholderFlag xmlns:ma14="http://schemas.microsoft.com/office/mac/drawingml/2011/main" xmlns="" val="1"/>
+              <ma14:placeholderFlag xmlns="" xmlns:ma14="http://schemas.microsoft.com/office/mac/drawingml/2011/main" val="1"/>
             </a:ext>
           </a:extLst>
         </p:spPr>
@@ -2548,7 +2851,7 @@
         <p:spPr>
           <a:extLst>
             <a:ext uri="{909E8E84-426E-40dd-AFC4-6F175D3DCCD1}">
-              <a14:hiddenFill xmlns:a14="http://schemas.microsoft.com/office/drawing/2010/main" xmlns="">
+              <a14:hiddenFill xmlns="" xmlns:a14="http://schemas.microsoft.com/office/drawing/2010/main">
                 <a:blipFill dpi="0" rotWithShape="0">
                   <a:blip xmlns:r="http://schemas.openxmlformats.org/officeDocument/2006/relationships" r:embed="rId3"/>
                   <a:srcRect/>
@@ -2557,7 +2860,7 @@
               </a14:hiddenFill>
             </a:ext>
             <a:ext uri="{91240B29-F687-4f45-9708-019B960494DF}">
-              <a14:hiddenLine xmlns:a14="http://schemas.microsoft.com/office/drawing/2010/main" xmlns="" w="25400">
+              <a14:hiddenLine xmlns="" xmlns:a14="http://schemas.microsoft.com/office/drawing/2010/main" w="25400">
                 <a:solidFill>
                   <a:srgbClr val="000000"/>
                 </a:solidFill>
@@ -2567,7 +2870,7 @@
               </a14:hiddenLine>
             </a:ext>
             <a:ext uri="{AF507438-7753-43e0-B8FC-AC1667EBCBE1}">
-              <a14:hiddenEffects xmlns:a14="http://schemas.microsoft.com/office/drawing/2010/main" xmlns="">
+              <a14:hiddenEffects xmlns="" xmlns:a14="http://schemas.microsoft.com/office/drawing/2010/main">
                 <a:effectLst>
                   <a:outerShdw blurRad="63500" dist="38099" dir="2700000" algn="ctr" rotWithShape="0">
                     <a:schemeClr val="bg2">
@@ -2578,7 +2881,7 @@
               </a14:hiddenEffects>
             </a:ext>
             <a:ext uri="{FAA26D3D-D897-4be2-8F04-BA451C77F1D7}">
-              <ma14:placeholderFlag xmlns:ma14="http://schemas.microsoft.com/office/mac/drawingml/2011/main" xmlns="" val="1"/>
+              <ma14:placeholderFlag xmlns="" xmlns:ma14="http://schemas.microsoft.com/office/mac/drawingml/2011/main" val="1"/>
             </a:ext>
           </a:extLst>
         </p:spPr>
@@ -2794,7 +3097,7 @@
         <p:spPr>
           <a:extLst>
             <a:ext uri="{909E8E84-426E-40dd-AFC4-6F175D3DCCD1}">
-              <a14:hiddenFill xmlns:a14="http://schemas.microsoft.com/office/drawing/2010/main" xmlns="">
+              <a14:hiddenFill xmlns="" xmlns:a14="http://schemas.microsoft.com/office/drawing/2010/main">
                 <a:blipFill dpi="0" rotWithShape="0">
                   <a:blip xmlns:r="http://schemas.openxmlformats.org/officeDocument/2006/relationships" r:embed="rId3"/>
                   <a:srcRect/>
@@ -2803,7 +3106,7 @@
               </a14:hiddenFill>
             </a:ext>
             <a:ext uri="{91240B29-F687-4f45-9708-019B960494DF}">
-              <a14:hiddenLine xmlns:a14="http://schemas.microsoft.com/office/drawing/2010/main" xmlns="" w="25400">
+              <a14:hiddenLine xmlns="" xmlns:a14="http://schemas.microsoft.com/office/drawing/2010/main" w="25400">
                 <a:solidFill>
                   <a:srgbClr val="000000"/>
                 </a:solidFill>
@@ -2813,7 +3116,7 @@
               </a14:hiddenLine>
             </a:ext>
             <a:ext uri="{AF507438-7753-43e0-B8FC-AC1667EBCBE1}">
-              <a14:hiddenEffects xmlns:a14="http://schemas.microsoft.com/office/drawing/2010/main" xmlns="">
+              <a14:hiddenEffects xmlns="" xmlns:a14="http://schemas.microsoft.com/office/drawing/2010/main">
                 <a:effectLst>
                   <a:outerShdw blurRad="63500" dist="38099" dir="2700000" algn="ctr" rotWithShape="0">
                     <a:schemeClr val="bg2">
@@ -2824,7 +3127,7 @@
               </a14:hiddenEffects>
             </a:ext>
             <a:ext uri="{FAA26D3D-D897-4be2-8F04-BA451C77F1D7}">
-              <ma14:placeholderFlag xmlns:ma14="http://schemas.microsoft.com/office/mac/drawingml/2011/main" xmlns="" val="1"/>
+              <ma14:placeholderFlag xmlns="" xmlns:ma14="http://schemas.microsoft.com/office/mac/drawingml/2011/main" val="1"/>
             </a:ext>
           </a:extLst>
         </p:spPr>
@@ -6743,15 +7046,7 @@
             </a:pPr>
             <a:r>
               <a:rPr lang="en-US" sz="2000" dirty="0"/>
-              <a:t>A </a:t>
-            </a:r>
-            <a:r>
-              <a:rPr lang="en-US" sz="2000" dirty="0"/>
-              <a:t>“hook” is a certain location in the WordPress code which allows you to attach or run your own </a:t>
-            </a:r>
-            <a:r>
-              <a:rPr lang="en-US" sz="2000" dirty="0"/>
-              <a:t>code</a:t>
+              <a:t>A “hook” is a certain location in the WordPress code which allows you to attach or run your own code</a:t>
             </a:r>
           </a:p>
           <a:p>
@@ -7275,9 +7570,6 @@
               </a:rPr>
               <a:t>Tran Hoai Nam</a:t>
             </a:r>
-            <a:endParaRPr lang="en-US" sz="4000" dirty="0" smtClean="0">
-              <a:sym typeface="Gill Sans" charset="0"/>
-            </a:endParaRPr>
           </a:p>
           <a:p>
             <a:r>
@@ -7531,15 +7823,7 @@
             </a:pPr>
             <a:r>
               <a:rPr lang="en-US" sz="2000" dirty="0" smtClean="0"/>
-              <a:t>Change styles based on requirements documentation and make the new theme </a:t>
-            </a:r>
-            <a:r>
-              <a:rPr lang="en-US" sz="2000" dirty="0" smtClean="0"/>
-              <a:t>that look similarly </a:t>
-            </a:r>
-            <a:r>
-              <a:rPr lang="en-US" sz="2000" dirty="0" smtClean="0"/>
-              <a:t>as the </a:t>
+              <a:t>Change styles based on requirements documentation and make the new theme that look similarly as the </a:t>
             </a:r>
             <a:r>
               <a:rPr lang="en-US" sz="2000" dirty="0" err="1" smtClean="0"/>
@@ -7770,15 +8054,15 @@
           <a:lstStyle/>
           <a:p>
             <a:r>
-              <a:rPr lang="en-US" dirty="0"/>
+              <a:rPr lang="en-US" sz="3200" dirty="0"/>
               <a:t>Practice: </a:t>
             </a:r>
             <a:r>
-              <a:rPr lang="en-US" sz="3200" dirty="0" err="1"/>
+              <a:rPr lang="en-US" sz="4000" dirty="0" err="1"/>
               <a:t>Alfuttaim</a:t>
             </a:r>
             <a:r>
-              <a:rPr lang="en-US" sz="3200" dirty="0"/>
+              <a:rPr lang="en-US" sz="4000" dirty="0"/>
               <a:t> – Home page</a:t>
             </a:r>
             <a:r>
@@ -7871,7 +8155,7 @@
             </a:r>
             <a:r>
               <a:rPr lang="en-US" dirty="0" smtClean="0"/>
-              <a:t>Do it as a team</a:t>
+              <a:t>Teamwork</a:t>
             </a:r>
           </a:p>
         </p:txBody>
@@ -7879,7 +8163,7 @@
     </p:spTree>
     <p:extLst>
       <p:ext uri="{BB962C8B-B14F-4D97-AF65-F5344CB8AC3E}">
-        <p14:creationId xmlns:p14="http://schemas.microsoft.com/office/powerpoint/2010/main" val="2377105219"/>
+        <p14:creationId xmlns:p14="http://schemas.microsoft.com/office/powerpoint/2010/main" val="1860767263"/>
       </p:ext>
     </p:extLst>
   </p:cSld>
@@ -7928,15 +8212,15 @@
           <a:lstStyle/>
           <a:p>
             <a:r>
-              <a:rPr lang="en-US" dirty="0"/>
+              <a:rPr lang="en-US" sz="3200" dirty="0"/>
               <a:t>Practice: </a:t>
             </a:r>
             <a:r>
-              <a:rPr lang="en-US" sz="3200" dirty="0" err="1"/>
+              <a:rPr lang="en-US" sz="4000" dirty="0" err="1"/>
               <a:t>Alfuttaim</a:t>
             </a:r>
             <a:r>
-              <a:rPr lang="en-US" sz="3200" dirty="0"/>
+              <a:rPr lang="en-US" sz="4000" dirty="0"/>
               <a:t> – Home page</a:t>
             </a:r>
             <a:r>
@@ -7990,12 +8274,8 @@
               <a:buChar char="v"/>
             </a:pPr>
             <a:r>
-              <a:rPr lang="en-US" dirty="0"/>
-              <a:t> </a:t>
-            </a:r>
-            <a:r>
               <a:rPr lang="en-US" dirty="0" smtClean="0"/>
-              <a:t>Divide the design into sections</a:t>
+              <a:t> Divide the design into sections</a:t>
             </a:r>
           </a:p>
           <a:p>
@@ -8014,12 +8294,8 @@
               <a:buChar char="v"/>
             </a:pPr>
             <a:r>
-              <a:rPr lang="en-US" dirty="0"/>
-              <a:t> </a:t>
-            </a:r>
-            <a:r>
               <a:rPr lang="en-US" dirty="0" smtClean="0"/>
-              <a:t>Use convention to avoid conflicts</a:t>
+              <a:t> Use coding convention to avoid conflicts</a:t>
             </a:r>
           </a:p>
           <a:p>
@@ -8028,12 +8304,8 @@
               <a:buChar char="v"/>
             </a:pPr>
             <a:r>
-              <a:rPr lang="en-US" dirty="0"/>
-              <a:t> </a:t>
-            </a:r>
-            <a:r>
               <a:rPr lang="en-US" dirty="0" smtClean="0"/>
-              <a:t>Daily meetings</a:t>
+              <a:t> Daily meetings</a:t>
             </a:r>
           </a:p>
           <a:p>
@@ -8042,12 +8314,8 @@
               <a:buChar char="v"/>
             </a:pPr>
             <a:r>
-              <a:rPr lang="en-US" dirty="0"/>
-              <a:t> </a:t>
-            </a:r>
-            <a:r>
               <a:rPr lang="en-US" dirty="0" smtClean="0"/>
-              <a:t>VCS: </a:t>
+              <a:t> VCS: </a:t>
             </a:r>
             <a:r>
               <a:rPr lang="en-US" dirty="0" err="1" smtClean="0"/>
@@ -8060,7 +8328,7 @@
     </p:spTree>
     <p:extLst>
       <p:ext uri="{BB962C8B-B14F-4D97-AF65-F5344CB8AC3E}">
-        <p14:creationId xmlns:p14="http://schemas.microsoft.com/office/powerpoint/2010/main" val="2824442318"/>
+        <p14:creationId xmlns:p14="http://schemas.microsoft.com/office/powerpoint/2010/main" val="2762162470"/>
       </p:ext>
     </p:extLst>
   </p:cSld>
@@ -8109,15 +8377,15 @@
           <a:lstStyle/>
           <a:p>
             <a:r>
-              <a:rPr lang="en-US" dirty="0"/>
+              <a:rPr lang="en-US" sz="3200" dirty="0"/>
               <a:t>Practice: </a:t>
             </a:r>
             <a:r>
-              <a:rPr lang="en-US" sz="3200" dirty="0" err="1"/>
+              <a:rPr lang="en-US" sz="4000" dirty="0" err="1"/>
               <a:t>Alfuttaim</a:t>
             </a:r>
             <a:r>
-              <a:rPr lang="en-US" sz="3200" dirty="0"/>
+              <a:rPr lang="en-US" sz="4000" dirty="0"/>
               <a:t> – Home page</a:t>
             </a:r>
             <a:r>
@@ -8234,7 +8502,7 @@
     </p:spTree>
     <p:extLst>
       <p:ext uri="{BB962C8B-B14F-4D97-AF65-F5344CB8AC3E}">
-        <p14:creationId xmlns:p14="http://schemas.microsoft.com/office/powerpoint/2010/main" val="3797178387"/>
+        <p14:creationId xmlns:p14="http://schemas.microsoft.com/office/powerpoint/2010/main" val="2191174307"/>
       </p:ext>
     </p:extLst>
   </p:cSld>
@@ -9595,13 +9863,8 @@
             </a:pPr>
             <a:r>
               <a:rPr lang="en-US" dirty="0" smtClean="0"/>
-              <a:t>What </a:t>
-            </a:r>
-            <a:r>
-              <a:rPr lang="en-US" dirty="0" smtClean="0"/>
-              <a:t>we have done</a:t>
-            </a:r>
-            <a:endParaRPr lang="en-US" dirty="0" smtClean="0"/>
+              <a:t>What we have done</a:t>
+            </a:r>
           </a:p>
           <a:p>
             <a:pPr lvl="1"/>
